--- a/AWS/AWS-C02/AWS-Classes/Load Balancing.pptx
+++ b/AWS/AWS-C02/AWS-Classes/Load Balancing.pptx
@@ -112,6 +112,11 @@
       </a:defRPr>
     </a:lvl9pPr>
   </p:defaultTextStyle>
+  <p:extLst>
+    <p:ext uri="{EFAFB233-063F-42B5-8137-9DF3F51BA10A}">
+      <p15:sldGuideLst xmlns:p15="http://schemas.microsoft.com/office/powerpoint/2012/main"/>
+    </p:ext>
+  </p:extLst>
 </p:presentation>
 </file>
 
@@ -318,7 +323,7 @@
             <a:fld id="{B61BEF0D-F0BB-DE4B-95CE-6DB70DBA9567}" type="datetimeFigureOut">
               <a:rPr lang="en-US" dirty="0"/>
               <a:pPr/>
-              <a:t>4/6/2020</a:t>
+              <a:t>4/8/2020</a:t>
             </a:fld>
             <a:endParaRPr lang="en-US" dirty="0"/>
           </a:p>
@@ -606,7 +611,7 @@
             <a:fld id="{B61BEF0D-F0BB-DE4B-95CE-6DB70DBA9567}" type="datetimeFigureOut">
               <a:rPr lang="en-US" dirty="0"/>
               <a:pPr/>
-              <a:t>4/6/2020</a:t>
+              <a:t>4/8/2020</a:t>
             </a:fld>
             <a:endParaRPr lang="en-US" dirty="0"/>
           </a:p>
@@ -851,7 +856,7 @@
             <a:fld id="{B61BEF0D-F0BB-DE4B-95CE-6DB70DBA9567}" type="datetimeFigureOut">
               <a:rPr lang="en-US" dirty="0"/>
               <a:pPr/>
-              <a:t>4/6/2020</a:t>
+              <a:t>4/8/2020</a:t>
             </a:fld>
             <a:endParaRPr lang="en-US" dirty="0"/>
           </a:p>
@@ -1384,7 +1389,7 @@
             <a:fld id="{B61BEF0D-F0BB-DE4B-95CE-6DB70DBA9567}" type="datetimeFigureOut">
               <a:rPr lang="en-US" dirty="0"/>
               <a:pPr/>
-              <a:t>4/6/2020</a:t>
+              <a:t>4/8/2020</a:t>
             </a:fld>
             <a:endParaRPr lang="en-US" dirty="0"/>
           </a:p>
@@ -1629,7 +1634,7 @@
             <a:fld id="{B61BEF0D-F0BB-DE4B-95CE-6DB70DBA9567}" type="datetimeFigureOut">
               <a:rPr lang="en-US" dirty="0"/>
               <a:pPr/>
-              <a:t>4/6/2020</a:t>
+              <a:t>4/8/2020</a:t>
             </a:fld>
             <a:endParaRPr lang="en-US" dirty="0"/>
           </a:p>
@@ -2169,7 +2174,7 @@
             <a:fld id="{B61BEF0D-F0BB-DE4B-95CE-6DB70DBA9567}" type="datetimeFigureOut">
               <a:rPr lang="en-US" dirty="0"/>
               <a:pPr/>
-              <a:t>4/6/2020</a:t>
+              <a:t>4/8/2020</a:t>
             </a:fld>
             <a:endParaRPr lang="en-US" dirty="0"/>
           </a:p>
@@ -2476,7 +2481,7 @@
             <a:fld id="{B61BEF0D-F0BB-DE4B-95CE-6DB70DBA9567}" type="datetimeFigureOut">
               <a:rPr lang="en-US" dirty="0"/>
               <a:pPr/>
-              <a:t>4/6/2020</a:t>
+              <a:t>4/8/2020</a:t>
             </a:fld>
             <a:endParaRPr lang="en-US" dirty="0"/>
           </a:p>
@@ -2648,7 +2653,7 @@
             <a:fld id="{B61BEF0D-F0BB-DE4B-95CE-6DB70DBA9567}" type="datetimeFigureOut">
               <a:rPr lang="en-US" dirty="0"/>
               <a:pPr/>
-              <a:t>4/6/2020</a:t>
+              <a:t>4/8/2020</a:t>
             </a:fld>
             <a:endParaRPr lang="en-US" dirty="0"/>
           </a:p>
@@ -2825,7 +2830,7 @@
             <a:fld id="{B61BEF0D-F0BB-DE4B-95CE-6DB70DBA9567}" type="datetimeFigureOut">
               <a:rPr lang="en-US" dirty="0"/>
               <a:pPr/>
-              <a:t>4/6/2020</a:t>
+              <a:t>4/8/2020</a:t>
             </a:fld>
             <a:endParaRPr lang="en-US" dirty="0"/>
           </a:p>
@@ -2992,7 +2997,7 @@
             <a:fld id="{B61BEF0D-F0BB-DE4B-95CE-6DB70DBA9567}" type="datetimeFigureOut">
               <a:rPr lang="en-US" dirty="0"/>
               <a:pPr/>
-              <a:t>4/6/2020</a:t>
+              <a:t>4/8/2020</a:t>
             </a:fld>
             <a:endParaRPr lang="en-US" dirty="0"/>
           </a:p>
@@ -3235,7 +3240,7 @@
             <a:fld id="{B61BEF0D-F0BB-DE4B-95CE-6DB70DBA9567}" type="datetimeFigureOut">
               <a:rPr lang="en-US" dirty="0"/>
               <a:pPr/>
-              <a:t>4/6/2020</a:t>
+              <a:t>4/8/2020</a:t>
             </a:fld>
             <a:endParaRPr lang="en-US" dirty="0"/>
           </a:p>
@@ -3524,7 +3529,7 @@
             <a:fld id="{B61BEF0D-F0BB-DE4B-95CE-6DB70DBA9567}" type="datetimeFigureOut">
               <a:rPr lang="en-US" dirty="0"/>
               <a:pPr/>
-              <a:t>4/6/2020</a:t>
+              <a:t>4/8/2020</a:t>
             </a:fld>
             <a:endParaRPr lang="en-US" dirty="0"/>
           </a:p>
@@ -3951,7 +3956,7 @@
             <a:fld id="{B61BEF0D-F0BB-DE4B-95CE-6DB70DBA9567}" type="datetimeFigureOut">
               <a:rPr lang="en-US" dirty="0"/>
               <a:pPr/>
-              <a:t>4/6/2020</a:t>
+              <a:t>4/8/2020</a:t>
             </a:fld>
             <a:endParaRPr lang="en-US" dirty="0"/>
           </a:p>
@@ -4071,7 +4076,7 @@
             <a:fld id="{B61BEF0D-F0BB-DE4B-95CE-6DB70DBA9567}" type="datetimeFigureOut">
               <a:rPr lang="en-US" dirty="0"/>
               <a:pPr/>
-              <a:t>4/6/2020</a:t>
+              <a:t>4/8/2020</a:t>
             </a:fld>
             <a:endParaRPr lang="en-US" dirty="0"/>
           </a:p>
@@ -4163,7 +4168,7 @@
             <a:fld id="{B61BEF0D-F0BB-DE4B-95CE-6DB70DBA9567}" type="datetimeFigureOut">
               <a:rPr lang="en-US" dirty="0"/>
               <a:pPr/>
-              <a:t>4/6/2020</a:t>
+              <a:t>4/8/2020</a:t>
             </a:fld>
             <a:endParaRPr lang="en-US" dirty="0"/>
           </a:p>
@@ -4443,7 +4448,7 @@
             <a:fld id="{B61BEF0D-F0BB-DE4B-95CE-6DB70DBA9567}" type="datetimeFigureOut">
               <a:rPr lang="en-US" dirty="0"/>
               <a:pPr/>
-              <a:t>4/6/2020</a:t>
+              <a:t>4/8/2020</a:t>
             </a:fld>
             <a:endParaRPr lang="en-US" dirty="0"/>
           </a:p>
@@ -4731,7 +4736,7 @@
             <a:fld id="{B61BEF0D-F0BB-DE4B-95CE-6DB70DBA9567}" type="datetimeFigureOut">
               <a:rPr lang="en-US" dirty="0"/>
               <a:pPr/>
-              <a:t>4/6/2020</a:t>
+              <a:t>4/8/2020</a:t>
             </a:fld>
             <a:endParaRPr lang="en-US" dirty="0"/>
           </a:p>
@@ -4959,7 +4964,7 @@
             <a:fld id="{B61BEF0D-F0BB-DE4B-95CE-6DB70DBA9567}" type="datetimeFigureOut">
               <a:rPr lang="en-US" dirty="0"/>
               <a:pPr/>
-              <a:t>4/6/2020</a:t>
+              <a:t>4/8/2020</a:t>
             </a:fld>
             <a:endParaRPr lang="en-US" dirty="0"/>
           </a:p>
@@ -7518,6 +7523,260 @@
           </a:p>
         </p:txBody>
       </p:sp>
+      <p:sp>
+        <p:nvSpPr>
+          <p:cNvPr id="4" name="Rectangle 3">
+            <a:extLst>
+              <a:ext uri="{FF2B5EF4-FFF2-40B4-BE49-F238E27FC236}">
+                <a16:creationId xmlns:a16="http://schemas.microsoft.com/office/drawing/2014/main" id="{224DAEC2-B327-4A41-9072-DA602DD8941A}"/>
+              </a:ext>
+            </a:extLst>
+          </p:cNvPr>
+          <p:cNvSpPr/>
+          <p:nvPr/>
+        </p:nvSpPr>
+        <p:spPr>
+          <a:xfrm>
+            <a:off x="918227" y="1575022"/>
+            <a:ext cx="2763898" cy="369332"/>
+          </a:xfrm>
+          <a:prstGeom prst="rect">
+            <a:avLst/>
+          </a:prstGeom>
+        </p:spPr>
+        <p:txBody>
+          <a:bodyPr wrap="none">
+            <a:spAutoFit/>
+          </a:bodyPr>
+          <a:lstStyle/>
+          <a:p>
+            <a:r>
+              <a:rPr lang="en-IN" b="1" dirty="0">
+                <a:hlinkClick r:id="rId2"/>
+              </a:rPr>
+              <a:t>Target Tracking Scaling</a:t>
+            </a:r>
+            <a:endParaRPr lang="en-IN" b="1" dirty="0"/>
+          </a:p>
+        </p:txBody>
+      </p:sp>
+      <p:sp>
+        <p:nvSpPr>
+          <p:cNvPr id="5" name="Rectangle 4">
+            <a:extLst>
+              <a:ext uri="{FF2B5EF4-FFF2-40B4-BE49-F238E27FC236}">
+                <a16:creationId xmlns:a16="http://schemas.microsoft.com/office/drawing/2014/main" id="{CC4427C3-8BEC-468D-B698-2B8FED7D95F7}"/>
+              </a:ext>
+            </a:extLst>
+          </p:cNvPr>
+          <p:cNvSpPr/>
+          <p:nvPr/>
+        </p:nvSpPr>
+        <p:spPr>
+          <a:xfrm>
+            <a:off x="918227" y="1838627"/>
+            <a:ext cx="11164185" cy="1477328"/>
+          </a:xfrm>
+          <a:prstGeom prst="rect">
+            <a:avLst/>
+          </a:prstGeom>
+        </p:spPr>
+        <p:txBody>
+          <a:bodyPr wrap="square">
+            <a:spAutoFit/>
+          </a:bodyPr>
+          <a:lstStyle/>
+          <a:p>
+            <a:r>
+              <a:rPr lang="en-IN" dirty="0">
+                <a:solidFill>
+                  <a:schemeClr val="bg2">
+                    <a:lumMod val="20000"/>
+                    <a:lumOff val="80000"/>
+                  </a:schemeClr>
+                </a:solidFill>
+                <a:latin typeface="Amazon Ember"/>
+              </a:rPr>
+              <a:t>With target tracking scaling policies, you select a scaling metric and set a target value. Amazon EC2 Auto Scaling creates and manages the CloudWatch alarms that trigger the scaling policy and calculates the scaling adjustment based on the metric and the target value. The scaling policy adds or removes capacity as required to keep the metric at, or close to, the specified target value. In addition to keeping the metric close to the target value, a target tracking scaling policy also adjusts to the changes in the metric due to a changing load pattern. It takes the </a:t>
+            </a:r>
+            <a:r>
+              <a:rPr lang="en-IN" dirty="0" err="1">
+                <a:solidFill>
+                  <a:schemeClr val="bg2">
+                    <a:lumMod val="20000"/>
+                    <a:lumOff val="80000"/>
+                  </a:schemeClr>
+                </a:solidFill>
+                <a:latin typeface="Amazon Ember"/>
+              </a:rPr>
+              <a:t>Avarage</a:t>
+            </a:r>
+            <a:endParaRPr lang="en-IN" dirty="0">
+              <a:solidFill>
+                <a:schemeClr val="bg2">
+                  <a:lumMod val="20000"/>
+                  <a:lumOff val="80000"/>
+                </a:schemeClr>
+              </a:solidFill>
+            </a:endParaRPr>
+          </a:p>
+        </p:txBody>
+      </p:sp>
+      <p:sp>
+        <p:nvSpPr>
+          <p:cNvPr id="7" name="Rectangle 6">
+            <a:extLst>
+              <a:ext uri="{FF2B5EF4-FFF2-40B4-BE49-F238E27FC236}">
+                <a16:creationId xmlns:a16="http://schemas.microsoft.com/office/drawing/2014/main" id="{77CDCE75-1805-476E-A5D8-BA5031D06BEE}"/>
+              </a:ext>
+            </a:extLst>
+          </p:cNvPr>
+          <p:cNvSpPr/>
+          <p:nvPr/>
+        </p:nvSpPr>
+        <p:spPr>
+          <a:xfrm>
+            <a:off x="918227" y="3394894"/>
+            <a:ext cx="2879314" cy="369332"/>
+          </a:xfrm>
+          <a:prstGeom prst="rect">
+            <a:avLst/>
+          </a:prstGeom>
+        </p:spPr>
+        <p:txBody>
+          <a:bodyPr wrap="none">
+            <a:spAutoFit/>
+          </a:bodyPr>
+          <a:lstStyle/>
+          <a:p>
+            <a:r>
+              <a:rPr lang="en-IN" b="1" dirty="0">
+                <a:hlinkClick r:id="rId3"/>
+              </a:rPr>
+              <a:t>Step and Simple Scaling</a:t>
+            </a:r>
+            <a:endParaRPr lang="en-IN" b="1" dirty="0"/>
+          </a:p>
+        </p:txBody>
+      </p:sp>
+      <p:sp>
+        <p:nvSpPr>
+          <p:cNvPr id="9" name="Rectangle 8">
+            <a:extLst>
+              <a:ext uri="{FF2B5EF4-FFF2-40B4-BE49-F238E27FC236}">
+                <a16:creationId xmlns:a16="http://schemas.microsoft.com/office/drawing/2014/main" id="{A09630EF-ECFE-4D3E-9631-2D18F6A82862}"/>
+              </a:ext>
+            </a:extLst>
+          </p:cNvPr>
+          <p:cNvSpPr/>
+          <p:nvPr/>
+        </p:nvSpPr>
+        <p:spPr>
+          <a:xfrm>
+            <a:off x="918227" y="3764226"/>
+            <a:ext cx="10958340" cy="923330"/>
+          </a:xfrm>
+          <a:prstGeom prst="rect">
+            <a:avLst/>
+          </a:prstGeom>
+        </p:spPr>
+        <p:txBody>
+          <a:bodyPr wrap="square">
+            <a:spAutoFit/>
+          </a:bodyPr>
+          <a:lstStyle/>
+          <a:p>
+            <a:r>
+              <a:rPr lang="en-IN" dirty="0">
+                <a:solidFill>
+                  <a:schemeClr val="bg2">
+                    <a:lumMod val="20000"/>
+                    <a:lumOff val="80000"/>
+                  </a:schemeClr>
+                </a:solidFill>
+                <a:latin typeface="Amazon Ember"/>
+              </a:rPr>
+              <a:t>With step scaling and simple scaling, you choose scaling metrics and threshold values for the CloudWatch alarms that trigger the scaling process. You also define how your Auto Scaling group should be scaled when a threshold is in breach for a specified number of evaluation periods. Its takes &lt; than &gt;</a:t>
+            </a:r>
+          </a:p>
+        </p:txBody>
+      </p:sp>
+      <p:sp>
+        <p:nvSpPr>
+          <p:cNvPr id="10" name="Rectangle 9">
+            <a:extLst>
+              <a:ext uri="{FF2B5EF4-FFF2-40B4-BE49-F238E27FC236}">
+                <a16:creationId xmlns:a16="http://schemas.microsoft.com/office/drawing/2014/main" id="{593C4272-C60E-4317-A7EB-69676C4F1B5D}"/>
+              </a:ext>
+            </a:extLst>
+          </p:cNvPr>
+          <p:cNvSpPr/>
+          <p:nvPr/>
+        </p:nvSpPr>
+        <p:spPr>
+          <a:xfrm>
+            <a:off x="888047" y="5282978"/>
+            <a:ext cx="10129184" cy="646331"/>
+          </a:xfrm>
+          <a:prstGeom prst="rect">
+            <a:avLst/>
+          </a:prstGeom>
+        </p:spPr>
+        <p:txBody>
+          <a:bodyPr wrap="square">
+            <a:spAutoFit/>
+          </a:bodyPr>
+          <a:lstStyle/>
+          <a:p>
+            <a:r>
+              <a:rPr lang="en-IN" dirty="0">
+                <a:solidFill>
+                  <a:schemeClr val="bg2">
+                    <a:lumMod val="20000"/>
+                    <a:lumOff val="80000"/>
+                  </a:schemeClr>
+                </a:solidFill>
+                <a:latin typeface="Amazon Ember"/>
+              </a:rPr>
+              <a:t>Scheduled Actions • Anticipate a scaling based on known usage patterns • Example: increase the min capacity to 10 at 5 pm on Fridays</a:t>
+            </a:r>
+          </a:p>
+        </p:txBody>
+      </p:sp>
+      <p:sp>
+        <p:nvSpPr>
+          <p:cNvPr id="11" name="Rectangle 10">
+            <a:extLst>
+              <a:ext uri="{FF2B5EF4-FFF2-40B4-BE49-F238E27FC236}">
+                <a16:creationId xmlns:a16="http://schemas.microsoft.com/office/drawing/2014/main" id="{6B20771C-4826-4C19-8876-F0752FBBF17B}"/>
+              </a:ext>
+            </a:extLst>
+          </p:cNvPr>
+          <p:cNvSpPr/>
+          <p:nvPr/>
+        </p:nvSpPr>
+        <p:spPr>
+          <a:xfrm>
+            <a:off x="918227" y="4805414"/>
+            <a:ext cx="2287806" cy="369332"/>
+          </a:xfrm>
+          <a:prstGeom prst="rect">
+            <a:avLst/>
+          </a:prstGeom>
+        </p:spPr>
+        <p:txBody>
+          <a:bodyPr wrap="none">
+            <a:spAutoFit/>
+          </a:bodyPr>
+          <a:lstStyle/>
+          <a:p>
+            <a:r>
+              <a:rPr lang="en-IN" b="1" dirty="0"/>
+              <a:t>Scheduled Actions</a:t>
+            </a:r>
+          </a:p>
+        </p:txBody>
+      </p:sp>
     </p:spTree>
     <p:extLst>
       <p:ext uri="{BB962C8B-B14F-4D97-AF65-F5344CB8AC3E}">
